--- a/LSP SOLID.pptx
+++ b/LSP SOLID.pptx
@@ -950,7 +950,15 @@
         <a:p>
           <a:r>
             <a:rPr lang="pt-BR" dirty="0"/>
-            <a:t>Se formos usar essa ideia, podemos dizer que uma classe ‘Quadado’ pode herdar de ‘Retangulo’, porém estaríamos quebrando o princípio LSP, pois o comportamento do quadrado não substitui, de forma previsível, o de um retângulo, podendo quebrar o sistema quando usado em um senário que se esperaria um retângulo ao invés de um quadrado</a:t>
+            <a:t>Se formos usar essa ideia, podemos dizer que uma classe ‘Quadado’ pode herdar de ‘Retangulo’, porém estaríamos quebrando o princípio LSP, pois o comportamento do quadrado não substitui, de forma previsível, o de um retângulo, podendo quebrar o sistema quando usado em um </a:t>
+          </a:r>
+          <a:r>
+            <a:rPr lang="pt-BR" dirty="0" smtClean="0"/>
+            <a:t>cenário </a:t>
+          </a:r>
+          <a:r>
+            <a:rPr lang="pt-BR" dirty="0"/>
+            <a:t>que se esperaria um retângulo ao invés de um quadrado</a:t>
           </a:r>
           <a:endParaRPr lang="en-US" dirty="0"/>
         </a:p>
@@ -1229,7 +1237,15 @@
           </a:pPr>
           <a:r>
             <a:rPr lang="pt-BR" sz="1700" kern="1200" dirty="0"/>
-            <a:t>Se formos usar essa ideia, podemos dizer que uma classe ‘Quadado’ pode herdar de ‘Retangulo’, porém estaríamos quebrando o princípio LSP, pois o comportamento do quadrado não substitui, de forma previsível, o de um retângulo, podendo quebrar o sistema quando usado em um senário que se esperaria um retângulo ao invés de um quadrado</a:t>
+            <a:t>Se formos usar essa ideia, podemos dizer que uma classe ‘Quadado’ pode herdar de ‘Retangulo’, porém estaríamos quebrando o princípio LSP, pois o comportamento do quadrado não substitui, de forma previsível, o de um retângulo, podendo quebrar o sistema quando usado em um </a:t>
+          </a:r>
+          <a:r>
+            <a:rPr lang="pt-BR" sz="1700" kern="1200" dirty="0" smtClean="0"/>
+            <a:t>cenário </a:t>
+          </a:r>
+          <a:r>
+            <a:rPr lang="pt-BR" sz="1700" kern="1200" dirty="0"/>
+            <a:t>que se esperaria um retângulo ao invés de um quadrado</a:t>
           </a:r>
           <a:endParaRPr lang="en-US" sz="1700" kern="1200" dirty="0"/>
         </a:p>
@@ -5674,7 +5690,7 @@
                 <a16:creationId xmlns:a16="http://schemas.microsoft.com/office/drawing/2014/main" id="{6F5A5072-7B47-4D32-B52A-4EBBF590B8A5}"/>
               </a:ext>
               <a:ext uri="{C183D7F6-B498-43B3-948B-1728B52AA6E4}">
-                <adec:decorative xmlns:adec="http://schemas.microsoft.com/office/drawing/2017/decorative" xmlns="" val="1"/>
+                <adec:decorative xmlns="" xmlns:adec="http://schemas.microsoft.com/office/drawing/2017/decorative" val="1"/>
               </a:ext>
             </a:extLst>
           </p:cNvPr>
@@ -5750,7 +5766,7 @@
                 <a16:creationId xmlns:a16="http://schemas.microsoft.com/office/drawing/2014/main" id="{9715DAF0-AE1B-46C9-8A6B-DB2AA05AB91D}"/>
               </a:ext>
               <a:ext uri="{C183D7F6-B498-43B3-948B-1728B52AA6E4}">
-                <adec:decorative xmlns:adec="http://schemas.microsoft.com/office/drawing/2017/decorative" xmlns="" val="1"/>
+                <adec:decorative xmlns="" xmlns:adec="http://schemas.microsoft.com/office/drawing/2017/decorative" val="1"/>
               </a:ext>
             </a:extLst>
           </p:cNvPr>
@@ -5823,7 +5839,7 @@
                 <a16:creationId xmlns:a16="http://schemas.microsoft.com/office/drawing/2014/main" id="{6016219D-510E-4184-9090-6D5578A87BD1}"/>
               </a:ext>
               <a:ext uri="{C183D7F6-B498-43B3-948B-1728B52AA6E4}">
-                <adec:decorative xmlns:adec="http://schemas.microsoft.com/office/drawing/2017/decorative" xmlns="" val="1"/>
+                <adec:decorative xmlns="" xmlns:adec="http://schemas.microsoft.com/office/drawing/2017/decorative" val="1"/>
               </a:ext>
             </a:extLst>
           </p:cNvPr>
@@ -5899,7 +5915,7 @@
                 <a16:creationId xmlns:a16="http://schemas.microsoft.com/office/drawing/2014/main" id="{AFF4A713-7B75-4B21-90D7-5AB19547C728}"/>
               </a:ext>
               <a:ext uri="{C183D7F6-B498-43B3-948B-1728B52AA6E4}">
-                <adec:decorative xmlns:adec="http://schemas.microsoft.com/office/drawing/2017/decorative" xmlns="" val="1"/>
+                <adec:decorative xmlns="" xmlns:adec="http://schemas.microsoft.com/office/drawing/2017/decorative" val="1"/>
               </a:ext>
             </a:extLst>
           </p:cNvPr>
@@ -5974,7 +5990,7 @@
                 <a16:creationId xmlns:a16="http://schemas.microsoft.com/office/drawing/2014/main" id="{DC631C0B-6DA6-4E57-8231-CE32B3434A7E}"/>
               </a:ext>
               <a:ext uri="{C183D7F6-B498-43B3-948B-1728B52AA6E4}">
-                <adec:decorative xmlns:adec="http://schemas.microsoft.com/office/drawing/2017/decorative" xmlns="" val="1"/>
+                <adec:decorative xmlns="" xmlns:adec="http://schemas.microsoft.com/office/drawing/2017/decorative" val="1"/>
               </a:ext>
             </a:extLst>
           </p:cNvPr>
@@ -6050,7 +6066,7 @@
                 <a16:creationId xmlns:a16="http://schemas.microsoft.com/office/drawing/2014/main" id="{C29501E6-A978-4A61-9689-9085AF97A53A}"/>
               </a:ext>
               <a:ext uri="{C183D7F6-B498-43B3-948B-1728B52AA6E4}">
-                <adec:decorative xmlns:adec="http://schemas.microsoft.com/office/drawing/2017/decorative" xmlns="" val="1"/>
+                <adec:decorative xmlns="" xmlns:adec="http://schemas.microsoft.com/office/drawing/2017/decorative" val="1"/>
               </a:ext>
             </a:extLst>
           </p:cNvPr>
@@ -6452,7 +6468,7 @@
                 <a16:creationId xmlns:a16="http://schemas.microsoft.com/office/drawing/2014/main" id="{2EB492CD-616E-47F8-933B-5E2D952A0593}"/>
               </a:ext>
               <a:ext uri="{C183D7F6-B498-43B3-948B-1728B52AA6E4}">
-                <adec:decorative xmlns:adec="http://schemas.microsoft.com/office/drawing/2017/decorative" xmlns="" val="1"/>
+                <adec:decorative xmlns="" xmlns:adec="http://schemas.microsoft.com/office/drawing/2017/decorative" val="1"/>
               </a:ext>
             </a:extLst>
           </p:cNvPr>
@@ -6606,7 +6622,7 @@
                 <a16:creationId xmlns:a16="http://schemas.microsoft.com/office/drawing/2014/main" id="{59383CF9-23B5-4335-9B21-1791C4CF1C75}"/>
               </a:ext>
               <a:ext uri="{C183D7F6-B498-43B3-948B-1728B52AA6E4}">
-                <adec:decorative xmlns:adec="http://schemas.microsoft.com/office/drawing/2017/decorative" xmlns="" val="1"/>
+                <adec:decorative xmlns="" xmlns:adec="http://schemas.microsoft.com/office/drawing/2017/decorative" val="1"/>
               </a:ext>
             </a:extLst>
           </p:cNvPr>
@@ -6774,7 +6790,7 @@
                 <a16:creationId xmlns:a16="http://schemas.microsoft.com/office/drawing/2014/main" id="{0007FE00-9498-4706-B255-6437B0252C02}"/>
               </a:ext>
               <a:ext uri="{C183D7F6-B498-43B3-948B-1728B52AA6E4}">
-                <adec:decorative xmlns:adec="http://schemas.microsoft.com/office/drawing/2017/decorative" xmlns="" val="1"/>
+                <adec:decorative xmlns="" xmlns:adec="http://schemas.microsoft.com/office/drawing/2017/decorative" val="1"/>
               </a:ext>
             </a:extLst>
           </p:cNvPr>
@@ -7024,6 +7040,13 @@
   <p:clrMapOvr>
     <a:masterClrMapping/>
   </p:clrMapOvr>
+  <p:timing>
+    <p:tnLst>
+      <p:par>
+        <p:cTn id="1" dur="indefinite" restart="never" nodeType="tmRoot"/>
+      </p:par>
+    </p:tnLst>
+  </p:timing>
 </p:sld>
 </file>
 
@@ -7060,7 +7083,7 @@
                 <a16:creationId xmlns:a16="http://schemas.microsoft.com/office/drawing/2014/main" id="{2EB492CD-616E-47F8-933B-5E2D952A0593}"/>
               </a:ext>
               <a:ext uri="{C183D7F6-B498-43B3-948B-1728B52AA6E4}">
-                <adec:decorative xmlns:adec="http://schemas.microsoft.com/office/drawing/2017/decorative" xmlns="" val="1"/>
+                <adec:decorative xmlns="" xmlns:adec="http://schemas.microsoft.com/office/drawing/2017/decorative" val="1"/>
               </a:ext>
             </a:extLst>
           </p:cNvPr>
@@ -7214,7 +7237,7 @@
                 <a16:creationId xmlns:a16="http://schemas.microsoft.com/office/drawing/2014/main" id="{59383CF9-23B5-4335-9B21-1791C4CF1C75}"/>
               </a:ext>
               <a:ext uri="{C183D7F6-B498-43B3-948B-1728B52AA6E4}">
-                <adec:decorative xmlns:adec="http://schemas.microsoft.com/office/drawing/2017/decorative" xmlns="" val="1"/>
+                <adec:decorative xmlns="" xmlns:adec="http://schemas.microsoft.com/office/drawing/2017/decorative" val="1"/>
               </a:ext>
             </a:extLst>
           </p:cNvPr>
@@ -7374,7 +7397,7 @@
                 <a16:creationId xmlns:a16="http://schemas.microsoft.com/office/drawing/2014/main" id="{0007FE00-9498-4706-B255-6437B0252C02}"/>
               </a:ext>
               <a:ext uri="{C183D7F6-B498-43B3-948B-1728B52AA6E4}">
-                <adec:decorative xmlns:adec="http://schemas.microsoft.com/office/drawing/2017/decorative" xmlns="" val="1"/>
+                <adec:decorative xmlns="" xmlns:adec="http://schemas.microsoft.com/office/drawing/2017/decorative" val="1"/>
               </a:ext>
             </a:extLst>
           </p:cNvPr>
@@ -7998,7 +8021,7 @@
                 <a:hlinkClick r:id="rId3">
                   <a:extLst>
                     <a:ext uri="{A12FA001-AC4F-418D-AE19-62706E023703}">
-                      <ahyp:hlinkClr xmlns:ahyp="http://schemas.microsoft.com/office/drawing/2018/hyperlinkcolor" xmlns="" val="tx"/>
+                      <ahyp:hlinkClr xmlns="" xmlns:ahyp="http://schemas.microsoft.com/office/drawing/2018/hyperlinkcolor" val="tx"/>
                     </a:ext>
                   </a:extLst>
                 </a:hlinkClick>
@@ -8023,6 +8046,13 @@
   <p:clrMapOvr>
     <a:masterClrMapping/>
   </p:clrMapOvr>
+  <p:timing>
+    <p:tnLst>
+      <p:par>
+        <p:cTn id="1" dur="indefinite" restart="never" nodeType="tmRoot"/>
+      </p:par>
+    </p:tnLst>
+  </p:timing>
 </p:sld>
 </file>
 
@@ -8204,7 +8234,7 @@
           <p:nvPr>
             <p:extLst>
               <p:ext uri="{D42A27DB-BD31-4B8C-83A1-F6EECF244321}">
-                <p14:modId xmlns:p14="http://schemas.microsoft.com/office/powerpoint/2010/main" val="324907527"/>
+                <p14:modId xmlns:p14="http://schemas.microsoft.com/office/powerpoint/2010/main" val="382720494"/>
               </p:ext>
             </p:extLst>
           </p:nvPr>
@@ -8229,6 +8259,13 @@
   <p:clrMapOvr>
     <a:masterClrMapping/>
   </p:clrMapOvr>
+  <p:timing>
+    <p:tnLst>
+      <p:par>
+        <p:cTn id="1" dur="indefinite" restart="never" nodeType="tmRoot"/>
+      </p:par>
+    </p:tnLst>
+  </p:timing>
 </p:sld>
 </file>
 
@@ -8265,7 +8302,7 @@
                 <a16:creationId xmlns:a16="http://schemas.microsoft.com/office/drawing/2014/main" id="{2EB492CD-616E-47F8-933B-5E2D952A0593}"/>
               </a:ext>
               <a:ext uri="{C183D7F6-B498-43B3-948B-1728B52AA6E4}">
-                <adec:decorative xmlns:adec="http://schemas.microsoft.com/office/drawing/2017/decorative" xmlns="" val="1"/>
+                <adec:decorative xmlns="" xmlns:adec="http://schemas.microsoft.com/office/drawing/2017/decorative" val="1"/>
               </a:ext>
             </a:extLst>
           </p:cNvPr>
@@ -8419,7 +8456,7 @@
                 <a16:creationId xmlns:a16="http://schemas.microsoft.com/office/drawing/2014/main" id="{59383CF9-23B5-4335-9B21-1791C4CF1C75}"/>
               </a:ext>
               <a:ext uri="{C183D7F6-B498-43B3-948B-1728B52AA6E4}">
-                <adec:decorative xmlns:adec="http://schemas.microsoft.com/office/drawing/2017/decorative" xmlns="" val="1"/>
+                <adec:decorative xmlns="" xmlns:adec="http://schemas.microsoft.com/office/drawing/2017/decorative" val="1"/>
               </a:ext>
             </a:extLst>
           </p:cNvPr>
@@ -8634,7 +8671,7 @@
                 <a16:creationId xmlns:a16="http://schemas.microsoft.com/office/drawing/2014/main" id="{0007FE00-9498-4706-B255-6437B0252C02}"/>
               </a:ext>
               <a:ext uri="{C183D7F6-B498-43B3-948B-1728B52AA6E4}">
-                <adec:decorative xmlns:adec="http://schemas.microsoft.com/office/drawing/2017/decorative" xmlns="" val="1"/>
+                <adec:decorative xmlns="" xmlns:adec="http://schemas.microsoft.com/office/drawing/2017/decorative" val="1"/>
               </a:ext>
             </a:extLst>
           </p:cNvPr>
@@ -9202,6 +9239,13 @@
   <p:clrMapOvr>
     <a:masterClrMapping/>
   </p:clrMapOvr>
+  <p:timing>
+    <p:tnLst>
+      <p:par>
+        <p:cTn id="1" dur="indefinite" restart="never" nodeType="tmRoot"/>
+      </p:par>
+    </p:tnLst>
+  </p:timing>
 </p:sld>
 </file>
 
@@ -9238,7 +9282,7 @@
                 <a16:creationId xmlns:a16="http://schemas.microsoft.com/office/drawing/2014/main" id="{2EB492CD-616E-47F8-933B-5E2D952A0593}"/>
               </a:ext>
               <a:ext uri="{C183D7F6-B498-43B3-948B-1728B52AA6E4}">
-                <adec:decorative xmlns:adec="http://schemas.microsoft.com/office/drawing/2017/decorative" xmlns="" val="1"/>
+                <adec:decorative xmlns="" xmlns:adec="http://schemas.microsoft.com/office/drawing/2017/decorative" val="1"/>
               </a:ext>
             </a:extLst>
           </p:cNvPr>
@@ -9392,7 +9436,7 @@
                 <a16:creationId xmlns:a16="http://schemas.microsoft.com/office/drawing/2014/main" id="{59383CF9-23B5-4335-9B21-1791C4CF1C75}"/>
               </a:ext>
               <a:ext uri="{C183D7F6-B498-43B3-948B-1728B52AA6E4}">
-                <adec:decorative xmlns:adec="http://schemas.microsoft.com/office/drawing/2017/decorative" xmlns="" val="1"/>
+                <adec:decorative xmlns="" xmlns:adec="http://schemas.microsoft.com/office/drawing/2017/decorative" val="1"/>
               </a:ext>
             </a:extLst>
           </p:cNvPr>
@@ -9582,7 +9626,7 @@
                 <a16:creationId xmlns:a16="http://schemas.microsoft.com/office/drawing/2014/main" id="{0007FE00-9498-4706-B255-6437B0252C02}"/>
               </a:ext>
               <a:ext uri="{C183D7F6-B498-43B3-948B-1728B52AA6E4}">
-                <adec:decorative xmlns:adec="http://schemas.microsoft.com/office/drawing/2017/decorative" xmlns="" val="1"/>
+                <adec:decorative xmlns="" xmlns:adec="http://schemas.microsoft.com/office/drawing/2017/decorative" val="1"/>
               </a:ext>
             </a:extLst>
           </p:cNvPr>
@@ -10114,6 +10158,13 @@
   <p:clrMapOvr>
     <a:masterClrMapping/>
   </p:clrMapOvr>
+  <p:timing>
+    <p:tnLst>
+      <p:par>
+        <p:cTn id="1" dur="indefinite" restart="never" nodeType="tmRoot"/>
+      </p:par>
+    </p:tnLst>
+  </p:timing>
 </p:sld>
 </file>
 
@@ -10150,7 +10201,7 @@
                 <a16:creationId xmlns:a16="http://schemas.microsoft.com/office/drawing/2014/main" id="{2EB492CD-616E-47F8-933B-5E2D952A0593}"/>
               </a:ext>
               <a:ext uri="{C183D7F6-B498-43B3-948B-1728B52AA6E4}">
-                <adec:decorative xmlns:adec="http://schemas.microsoft.com/office/drawing/2017/decorative" xmlns="" val="1"/>
+                <adec:decorative xmlns="" xmlns:adec="http://schemas.microsoft.com/office/drawing/2017/decorative" val="1"/>
               </a:ext>
             </a:extLst>
           </p:cNvPr>
@@ -10304,7 +10355,7 @@
                 <a16:creationId xmlns:a16="http://schemas.microsoft.com/office/drawing/2014/main" id="{59383CF9-23B5-4335-9B21-1791C4CF1C75}"/>
               </a:ext>
               <a:ext uri="{C183D7F6-B498-43B3-948B-1728B52AA6E4}">
-                <adec:decorative xmlns:adec="http://schemas.microsoft.com/office/drawing/2017/decorative" xmlns="" val="1"/>
+                <adec:decorative xmlns="" xmlns:adec="http://schemas.microsoft.com/office/drawing/2017/decorative" val="1"/>
               </a:ext>
             </a:extLst>
           </p:cNvPr>
@@ -10398,7 +10449,7 @@
                 <a16:creationId xmlns:a16="http://schemas.microsoft.com/office/drawing/2014/main" id="{0007FE00-9498-4706-B255-6437B0252C02}"/>
               </a:ext>
               <a:ext uri="{C183D7F6-B498-43B3-948B-1728B52AA6E4}">
-                <adec:decorative xmlns:adec="http://schemas.microsoft.com/office/drawing/2017/decorative" xmlns="" val="1"/>
+                <adec:decorative xmlns="" xmlns:adec="http://schemas.microsoft.com/office/drawing/2017/decorative" val="1"/>
               </a:ext>
             </a:extLst>
           </p:cNvPr>
@@ -10684,6 +10735,13 @@
   <p:clrMapOvr>
     <a:masterClrMapping/>
   </p:clrMapOvr>
+  <p:timing>
+    <p:tnLst>
+      <p:par>
+        <p:cTn id="1" dur="indefinite" restart="never" nodeType="tmRoot"/>
+      </p:par>
+    </p:tnLst>
+  </p:timing>
 </p:sld>
 </file>
 
@@ -10720,7 +10778,7 @@
                 <a16:creationId xmlns:a16="http://schemas.microsoft.com/office/drawing/2014/main" id="{2EB492CD-616E-47F8-933B-5E2D952A0593}"/>
               </a:ext>
               <a:ext uri="{C183D7F6-B498-43B3-948B-1728B52AA6E4}">
-                <adec:decorative xmlns:adec="http://schemas.microsoft.com/office/drawing/2017/decorative" xmlns="" val="1"/>
+                <adec:decorative xmlns="" xmlns:adec="http://schemas.microsoft.com/office/drawing/2017/decorative" val="1"/>
               </a:ext>
             </a:extLst>
           </p:cNvPr>
@@ -10874,7 +10932,7 @@
                 <a16:creationId xmlns:a16="http://schemas.microsoft.com/office/drawing/2014/main" id="{59383CF9-23B5-4335-9B21-1791C4CF1C75}"/>
               </a:ext>
               <a:ext uri="{C183D7F6-B498-43B3-948B-1728B52AA6E4}">
-                <adec:decorative xmlns:adec="http://schemas.microsoft.com/office/drawing/2017/decorative" xmlns="" val="1"/>
+                <adec:decorative xmlns="" xmlns:adec="http://schemas.microsoft.com/office/drawing/2017/decorative" val="1"/>
               </a:ext>
             </a:extLst>
           </p:cNvPr>
@@ -10968,7 +11026,7 @@
                 <a16:creationId xmlns:a16="http://schemas.microsoft.com/office/drawing/2014/main" id="{0007FE00-9498-4706-B255-6437B0252C02}"/>
               </a:ext>
               <a:ext uri="{C183D7F6-B498-43B3-948B-1728B52AA6E4}">
-                <adec:decorative xmlns:adec="http://schemas.microsoft.com/office/drawing/2017/decorative" xmlns="" val="1"/>
+                <adec:decorative xmlns="" xmlns:adec="http://schemas.microsoft.com/office/drawing/2017/decorative" val="1"/>
               </a:ext>
             </a:extLst>
           </p:cNvPr>
@@ -11254,6 +11312,13 @@
   <p:clrMapOvr>
     <a:masterClrMapping/>
   </p:clrMapOvr>
+  <p:timing>
+    <p:tnLst>
+      <p:par>
+        <p:cTn id="1" dur="indefinite" restart="never" nodeType="tmRoot"/>
+      </p:par>
+    </p:tnLst>
+  </p:timing>
 </p:sld>
 </file>
 

--- a/LSP SOLID.pptx
+++ b/LSP SOLID.pptx
@@ -7626,6 +7626,17 @@
           </a:bodyPr>
           <a:lstStyle/>
           <a:p>
+            <a:pPr>
+              <a:lnSpc>
+                <a:spcPct val="90000"/>
+              </a:lnSpc>
+              <a:spcAft>
+                <a:spcPts val="600"/>
+              </a:spcAft>
+            </a:pPr>
+            <a:endParaRPr lang="pt-BR" dirty="0"/>
+          </a:p>
+          <a:p>
             <a:pPr indent="-228600">
               <a:lnSpc>
                 <a:spcPct val="90000"/>
@@ -7637,128 +7648,16 @@
               <a:buChar char="•"/>
             </a:pPr>
             <a:r>
-              <a:rPr lang="en-US" dirty="0"/>
-              <a:t>“O </a:t>
-            </a:r>
-            <a:r>
-              <a:rPr lang="en-US" dirty="0" err="1"/>
-              <a:t>princípio</a:t>
-            </a:r>
-            <a:r>
-              <a:rPr lang="en-US" dirty="0"/>
-              <a:t> de </a:t>
-            </a:r>
-            <a:r>
-              <a:rPr lang="en-US" dirty="0" err="1"/>
-              <a:t>substituição</a:t>
-            </a:r>
-            <a:r>
-              <a:rPr lang="en-US" dirty="0"/>
-              <a:t> de </a:t>
-            </a:r>
-            <a:r>
-              <a:rPr lang="en-US" dirty="0" err="1"/>
+              <a:rPr lang="pt-BR" dirty="0"/>
+              <a:t>Criado por Barbara </a:t>
+            </a:r>
+            <a:r>
+              <a:rPr lang="pt-BR" dirty="0" err="1"/>
               <a:t>Liskov</a:t>
             </a:r>
             <a:r>
-              <a:rPr lang="en-US" dirty="0"/>
-              <a:t> </a:t>
-            </a:r>
-            <a:r>
-              <a:rPr lang="en-US" dirty="0" err="1"/>
-              <a:t>afirma</a:t>
-            </a:r>
-            <a:r>
-              <a:rPr lang="en-US" dirty="0"/>
-              <a:t> que </a:t>
-            </a:r>
-            <a:r>
-              <a:rPr lang="en-US" dirty="0" err="1"/>
-              <a:t>uma</a:t>
-            </a:r>
-            <a:r>
-              <a:rPr lang="en-US" dirty="0"/>
-              <a:t> </a:t>
-            </a:r>
-            <a:r>
-              <a:rPr lang="en-US" dirty="0" err="1"/>
-              <a:t>subclasse</a:t>
-            </a:r>
-            <a:r>
-              <a:rPr lang="en-US" dirty="0"/>
-              <a:t> </a:t>
-            </a:r>
-            <a:r>
-              <a:rPr lang="en-US" dirty="0" err="1"/>
-              <a:t>deve</a:t>
-            </a:r>
-            <a:r>
-              <a:rPr lang="en-US" dirty="0"/>
-              <a:t> ser </a:t>
-            </a:r>
-            <a:r>
-              <a:rPr lang="en-US" dirty="0" err="1"/>
-              <a:t>substituída</a:t>
-            </a:r>
-            <a:r>
-              <a:rPr lang="en-US" dirty="0"/>
-              <a:t> </a:t>
-            </a:r>
-            <a:r>
-              <a:rPr lang="en-US" dirty="0" err="1"/>
-              <a:t>por</a:t>
-            </a:r>
-            <a:r>
-              <a:rPr lang="en-US" dirty="0"/>
-              <a:t> </a:t>
-            </a:r>
-            <a:r>
-              <a:rPr lang="en-US" dirty="0" err="1"/>
-              <a:t>sua</a:t>
-            </a:r>
-            <a:r>
-              <a:rPr lang="en-US" dirty="0"/>
-              <a:t> </a:t>
-            </a:r>
-            <a:r>
-              <a:rPr lang="en-US" dirty="0" err="1"/>
-              <a:t>classe</a:t>
-            </a:r>
-            <a:r>
-              <a:rPr lang="en-US" dirty="0"/>
-              <a:t> base </a:t>
-            </a:r>
-            <a:r>
-              <a:rPr lang="en-US" dirty="0" err="1"/>
-              <a:t>sem</a:t>
-            </a:r>
-            <a:r>
-              <a:rPr lang="en-US" dirty="0"/>
-              <a:t> </a:t>
-            </a:r>
-            <a:r>
-              <a:rPr lang="en-US" dirty="0" err="1"/>
-              <a:t>afetar</a:t>
-            </a:r>
-            <a:r>
-              <a:rPr lang="en-US" dirty="0"/>
-              <a:t> o </a:t>
-            </a:r>
-            <a:r>
-              <a:rPr lang="en-US" dirty="0" err="1"/>
-              <a:t>funcionamento</a:t>
-            </a:r>
-            <a:r>
-              <a:rPr lang="en-US" dirty="0"/>
-              <a:t> do </a:t>
-            </a:r>
-            <a:r>
-              <a:rPr lang="en-US" dirty="0" err="1"/>
-              <a:t>sistema</a:t>
-            </a:r>
-            <a:r>
-              <a:rPr lang="en-US" dirty="0"/>
-              <a:t>”</a:t>
+              <a:rPr lang="pt-BR" dirty="0"/>
+              <a:t> em 1987, para facilitar a reutilização de código e garantir consistência em hierarquias de classes</a:t>
             </a:r>
           </a:p>
           <a:p>
@@ -7773,8 +7672,32 @@
               <a:buChar char="•"/>
             </a:pPr>
             <a:r>
+              <a:rPr lang="en-US" dirty="0" smtClean="0"/>
+              <a:t>“</a:t>
+            </a:r>
+            <a:r>
+              <a:rPr lang="en-US" dirty="0"/>
+              <a:t>O </a:t>
+            </a:r>
+            <a:r>
               <a:rPr lang="en-US" dirty="0" err="1"/>
-              <a:t>Criado</a:t>
+              <a:t>princípio</a:t>
+            </a:r>
+            <a:r>
+              <a:rPr lang="en-US" dirty="0"/>
+              <a:t> de </a:t>
+            </a:r>
+            <a:r>
+              <a:rPr lang="en-US" dirty="0" err="1"/>
+              <a:t>substituição</a:t>
+            </a:r>
+            <a:r>
+              <a:rPr lang="en-US" dirty="0"/>
+              <a:t> de </a:t>
+            </a:r>
+            <a:r>
+              <a:rPr lang="en-US" dirty="0" err="1"/>
+              <a:t>Liskov</a:t>
             </a:r>
             <a:r>
               <a:rPr lang="en-US" dirty="0"/>
@@ -7782,15 +7705,15 @@
             </a:r>
             <a:r>
               <a:rPr lang="en-US" dirty="0" err="1"/>
-              <a:t>por</a:t>
+              <a:t>afirma</a:t>
             </a:r>
             <a:r>
               <a:rPr lang="en-US" dirty="0"/>
-              <a:t> Barbara </a:t>
+              <a:t> que </a:t>
             </a:r>
             <a:r>
               <a:rPr lang="en-US" dirty="0" err="1"/>
-              <a:t>Liskov</a:t>
+              <a:t>uma</a:t>
             </a:r>
             <a:r>
               <a:rPr lang="en-US" dirty="0"/>
@@ -7798,39 +7721,7 @@
             </a:r>
             <a:r>
               <a:rPr lang="en-US" dirty="0" err="1"/>
-              <a:t>em</a:t>
-            </a:r>
-            <a:r>
-              <a:rPr lang="en-US" dirty="0"/>
-              <a:t> 1987, para </a:t>
-            </a:r>
-            <a:r>
-              <a:rPr lang="en-US" dirty="0" err="1"/>
-              <a:t>facilitar</a:t>
-            </a:r>
-            <a:r>
-              <a:rPr lang="en-US" dirty="0"/>
-              <a:t> a </a:t>
-            </a:r>
-            <a:r>
-              <a:rPr lang="en-US" dirty="0" err="1"/>
-              <a:t>reutilização</a:t>
-            </a:r>
-            <a:r>
-              <a:rPr lang="en-US" dirty="0"/>
-              <a:t> de </a:t>
-            </a:r>
-            <a:r>
-              <a:rPr lang="en-US" dirty="0" err="1"/>
-              <a:t>código</a:t>
-            </a:r>
-            <a:r>
-              <a:rPr lang="en-US" dirty="0"/>
-              <a:t> e </a:t>
-            </a:r>
-            <a:r>
-              <a:rPr lang="en-US" dirty="0" err="1"/>
-              <a:t>garantir</a:t>
+              <a:t>subclasse</a:t>
             </a:r>
             <a:r>
               <a:rPr lang="en-US" dirty="0"/>
@@ -7838,7 +7729,7 @@
             </a:r>
             <a:r>
               <a:rPr lang="en-US" dirty="0" err="1"/>
-              <a:t>consistência</a:t>
+              <a:t>deve</a:t>
             </a:r>
             <a:r>
               <a:rPr lang="en-US" dirty="0"/>
@@ -7846,7 +7737,7 @@
             </a:r>
             <a:r>
               <a:rPr lang="en-US" dirty="0" err="1"/>
-              <a:t>em</a:t>
+              <a:t>ser</a:t>
             </a:r>
             <a:r>
               <a:rPr lang="en-US" dirty="0"/>
@@ -7854,17 +7745,68 @@
             </a:r>
             <a:r>
               <a:rPr lang="en-US" dirty="0" err="1"/>
-              <a:t>hierarquias</a:t>
+              <a:t>substituída</a:t>
             </a:r>
             <a:r>
               <a:rPr lang="en-US" dirty="0"/>
               <a:t> </a:t>
             </a:r>
             <a:r>
-              <a:rPr lang="en-US"/>
-              <a:t>de classes</a:t>
-            </a:r>
-            <a:endParaRPr lang="en-US" dirty="0"/>
+              <a:rPr lang="en-US" dirty="0" err="1"/>
+              <a:t>por</a:t>
+            </a:r>
+            <a:r>
+              <a:rPr lang="en-US" dirty="0"/>
+              <a:t> </a:t>
+            </a:r>
+            <a:r>
+              <a:rPr lang="en-US" dirty="0" err="1"/>
+              <a:t>sua</a:t>
+            </a:r>
+            <a:r>
+              <a:rPr lang="en-US" dirty="0"/>
+              <a:t> </a:t>
+            </a:r>
+            <a:r>
+              <a:rPr lang="en-US" dirty="0" err="1"/>
+              <a:t>classe</a:t>
+            </a:r>
+            <a:r>
+              <a:rPr lang="en-US" dirty="0"/>
+              <a:t> base </a:t>
+            </a:r>
+            <a:r>
+              <a:rPr lang="en-US" dirty="0" err="1"/>
+              <a:t>sem</a:t>
+            </a:r>
+            <a:r>
+              <a:rPr lang="en-US" dirty="0"/>
+              <a:t> </a:t>
+            </a:r>
+            <a:r>
+              <a:rPr lang="en-US" dirty="0" err="1"/>
+              <a:t>afetar</a:t>
+            </a:r>
+            <a:r>
+              <a:rPr lang="en-US" dirty="0"/>
+              <a:t> o </a:t>
+            </a:r>
+            <a:r>
+              <a:rPr lang="en-US" dirty="0" err="1"/>
+              <a:t>funcionamento</a:t>
+            </a:r>
+            <a:r>
+              <a:rPr lang="en-US" dirty="0"/>
+              <a:t> do </a:t>
+            </a:r>
+            <a:r>
+              <a:rPr lang="en-US" dirty="0" err="1"/>
+              <a:t>sistema</a:t>
+            </a:r>
+            <a:r>
+              <a:rPr lang="en-US" dirty="0"/>
+              <a:t>”</a:t>
+            </a:r>
           </a:p>
           <a:p>
             <a:pPr indent="-228600">
@@ -7878,11 +7820,11 @@
               <a:buChar char="•"/>
             </a:pPr>
             <a:r>
-              <a:rPr lang="en-US" dirty="0" err="1"/>
+              <a:rPr lang="en-US" dirty="0" err="1" smtClean="0"/>
               <a:t>Isso</a:t>
             </a:r>
             <a:r>
-              <a:rPr lang="en-US" dirty="0"/>
+              <a:rPr lang="en-US" dirty="0" smtClean="0"/>
               <a:t> </a:t>
             </a:r>
             <a:r>
